--- a/25-29-5-2020/Marc Rios 3a setmana Experiments.pptx
+++ b/25-29-5-2020/Marc Rios 3a setmana Experiments.pptx
@@ -56,16 +56,16 @@
       <p:bold r:id="rId39"/>
     </p:embeddedFont>
     <p:embeddedFont>
+      <p:font typeface="Special Elite" panose="020B0604020202020204" charset="0"/>
+      <p:regular r:id="rId40"/>
+    </p:embeddedFont>
+    <p:embeddedFont>
       <p:font typeface="Gill Sans" panose="020B0604020202020204" charset="0"/>
-      <p:regular r:id="rId40"/>
-      <p:bold r:id="rId41"/>
+      <p:regular r:id="rId41"/>
+      <p:bold r:id="rId42"/>
     </p:embeddedFont>
     <p:embeddedFont>
       <p:font typeface="Pacifico" panose="020B0604020202020204" charset="0"/>
-      <p:regular r:id="rId42"/>
-    </p:embeddedFont>
-    <p:embeddedFont>
-      <p:font typeface="Special Elite" panose="020B0604020202020204" charset="0"/>
       <p:regular r:id="rId43"/>
     </p:embeddedFont>
     <p:embeddedFont>
@@ -26358,6 +26358,22 @@
               </a:spcAft>
               <a:buNone/>
             </a:pPr>
+            <a:r>
+              <a:rPr lang="es-ES" dirty="0" smtClean="0"/>
+              <a:t>Marc </a:t>
+            </a:r>
+            <a:r>
+              <a:rPr lang="es-ES" dirty="0" err="1" smtClean="0"/>
+              <a:t>Rios</a:t>
+            </a:r>
+            <a:r>
+              <a:rPr lang="es-ES" dirty="0"/>
+              <a:t> </a:t>
+            </a:r>
+            <a:r>
+              <a:rPr lang="es-ES" dirty="0" smtClean="0"/>
+              <a:t>Soler 3A</a:t>
+            </a:r>
             <a:endParaRPr dirty="0"/>
           </a:p>
         </p:txBody>
@@ -29062,9 +29078,27 @@
                 <a:tableStyleId>{D94344F0-E04B-428B-812D-A07FE061A566}</a:tableStyleId>
               </a:tblPr>
               <a:tblGrid>
-                <a:gridCol w="1491875"/>
-                <a:gridCol w="2802700"/>
-                <a:gridCol w="2915075"/>
+                <a:gridCol w="1491875">
+                  <a:extLst>
+                    <a:ext uri="{9D8B030D-6E8A-4147-A177-3AD203B41FA5}">
+                      <a16:colId xmlns:a16="http://schemas.microsoft.com/office/drawing/2014/main" xmlns="" val="20000"/>
+                    </a:ext>
+                  </a:extLst>
+                </a:gridCol>
+                <a:gridCol w="2802700">
+                  <a:extLst>
+                    <a:ext uri="{9D8B030D-6E8A-4147-A177-3AD203B41FA5}">
+                      <a16:colId xmlns:a16="http://schemas.microsoft.com/office/drawing/2014/main" xmlns="" val="20001"/>
+                    </a:ext>
+                  </a:extLst>
+                </a:gridCol>
+                <a:gridCol w="2915075">
+                  <a:extLst>
+                    <a:ext uri="{9D8B030D-6E8A-4147-A177-3AD203B41FA5}">
+                      <a16:colId xmlns:a16="http://schemas.microsoft.com/office/drawing/2014/main" xmlns="" val="20002"/>
+                    </a:ext>
+                  </a:extLst>
+                </a:gridCol>
               </a:tblGrid>
               <a:tr h="1130252">
                 <a:tc>
@@ -29156,6 +29190,11 @@
                     </a:solidFill>
                   </a:tcPr>
                 </a:tc>
+                <a:extLst>
+                  <a:ext uri="{0D108BD9-81ED-4DB2-BD59-A6C34878D82A}">
+                    <a16:rowId xmlns:a16="http://schemas.microsoft.com/office/drawing/2014/main" xmlns="" val="10000"/>
+                  </a:ext>
+                </a:extLst>
               </a:tr>
               <a:tr h="487375">
                 <a:tc>
@@ -29219,6 +29258,11 @@
                   </a:txBody>
                   <a:tcPr marL="68575" marR="68575" marT="68575" marB="68575"/>
                 </a:tc>
+                <a:extLst>
+                  <a:ext uri="{0D108BD9-81ED-4DB2-BD59-A6C34878D82A}">
+                    <a16:rowId xmlns:a16="http://schemas.microsoft.com/office/drawing/2014/main" xmlns="" val="10001"/>
+                  </a:ext>
+                </a:extLst>
               </a:tr>
               <a:tr h="487375">
                 <a:tc>
@@ -29306,6 +29350,11 @@
                   </a:txBody>
                   <a:tcPr marL="68575" marR="68575" marT="68575" marB="68575"/>
                 </a:tc>
+                <a:extLst>
+                  <a:ext uri="{0D108BD9-81ED-4DB2-BD59-A6C34878D82A}">
+                    <a16:rowId xmlns:a16="http://schemas.microsoft.com/office/drawing/2014/main" xmlns="" val="10002"/>
+                  </a:ext>
+                </a:extLst>
               </a:tr>
               <a:tr h="487375">
                 <a:tc>
@@ -29389,6 +29438,11 @@
                   </a:txBody>
                   <a:tcPr marL="68575" marR="68575" marT="68575" marB="68575"/>
                 </a:tc>
+                <a:extLst>
+                  <a:ext uri="{0D108BD9-81ED-4DB2-BD59-A6C34878D82A}">
+                    <a16:rowId xmlns:a16="http://schemas.microsoft.com/office/drawing/2014/main" xmlns="" val="10003"/>
+                  </a:ext>
+                </a:extLst>
               </a:tr>
               <a:tr h="487375">
                 <a:tc>
@@ -29476,6 +29530,11 @@
                   </a:txBody>
                   <a:tcPr marL="68575" marR="68575" marT="68575" marB="68575"/>
                 </a:tc>
+                <a:extLst>
+                  <a:ext uri="{0D108BD9-81ED-4DB2-BD59-A6C34878D82A}">
+                    <a16:rowId xmlns:a16="http://schemas.microsoft.com/office/drawing/2014/main" xmlns="" val="10004"/>
+                  </a:ext>
+                </a:extLst>
               </a:tr>
               <a:tr h="487375">
                 <a:tc>
@@ -29555,6 +29614,11 @@
                   </a:txBody>
                   <a:tcPr marL="68575" marR="68575" marT="68575" marB="68575"/>
                 </a:tc>
+                <a:extLst>
+                  <a:ext uri="{0D108BD9-81ED-4DB2-BD59-A6C34878D82A}">
+                    <a16:rowId xmlns:a16="http://schemas.microsoft.com/office/drawing/2014/main" xmlns="" val="10005"/>
+                  </a:ext>
+                </a:extLst>
               </a:tr>
             </a:tbl>
           </a:graphicData>
@@ -31306,7 +31370,43 @@
                 <a:cs typeface="Arial"/>
                 <a:sym typeface="Arial"/>
               </a:rPr>
-              <a:t> zona mes </a:t>
+              <a:t> </a:t>
+            </a:r>
+            <a:r>
+              <a:rPr lang="es-ES" dirty="0" err="1" smtClean="0">
+                <a:solidFill>
+                  <a:schemeClr val="dk1"/>
+                </a:solidFill>
+                <a:latin typeface="Arial"/>
+                <a:ea typeface="Arial"/>
+                <a:cs typeface="Arial"/>
+                <a:sym typeface="Arial"/>
+              </a:rPr>
+              <a:t>sona</a:t>
+            </a:r>
+            <a:r>
+              <a:rPr lang="es-ES" dirty="0" smtClean="0">
+                <a:solidFill>
+                  <a:schemeClr val="dk1"/>
+                </a:solidFill>
+                <a:latin typeface="Arial"/>
+                <a:ea typeface="Arial"/>
+                <a:cs typeface="Arial"/>
+                <a:sym typeface="Arial"/>
+              </a:rPr>
+              <a:t> </a:t>
+            </a:r>
+            <a:r>
+              <a:rPr lang="es-ES" dirty="0" smtClean="0">
+                <a:solidFill>
+                  <a:schemeClr val="dk1"/>
+                </a:solidFill>
+                <a:latin typeface="Arial"/>
+                <a:ea typeface="Arial"/>
+                <a:cs typeface="Arial"/>
+                <a:sym typeface="Arial"/>
+              </a:rPr>
+              <a:t>mes </a:t>
             </a:r>
             <a:r>
               <a:rPr lang="es-ES" dirty="0" err="1" smtClean="0">
@@ -34586,6 +34686,22 @@
               <a:buFont typeface="Arial"/>
               <a:buNone/>
             </a:pPr>
+            <a:r>
+              <a:rPr lang="es-ES" sz="1700" dirty="0" smtClean="0">
+                <a:solidFill>
+                  <a:schemeClr val="dk1"/>
+                </a:solidFill>
+              </a:rPr>
+              <a:t>                                                    Marie </a:t>
+            </a:r>
+            <a:r>
+              <a:rPr lang="es-ES" sz="1700" dirty="0" err="1" smtClean="0">
+                <a:solidFill>
+                  <a:schemeClr val="dk1"/>
+                </a:solidFill>
+              </a:rPr>
+              <a:t>curie</a:t>
+            </a:r>
             <a:endParaRPr sz="1700" dirty="0">
               <a:solidFill>
                 <a:schemeClr val="dk1"/>
@@ -34666,6 +34782,22 @@
               <a:buFont typeface="Arial"/>
               <a:buNone/>
             </a:pPr>
+            <a:r>
+              <a:rPr lang="es-ES" sz="1700" dirty="0" err="1" smtClean="0">
+                <a:solidFill>
+                  <a:srgbClr val="1F497D"/>
+                </a:solidFill>
+              </a:rPr>
+              <a:t>Nacio</a:t>
+            </a:r>
+            <a:r>
+              <a:rPr lang="es-ES" sz="1700" dirty="0" smtClean="0">
+                <a:solidFill>
+                  <a:srgbClr val="1F497D"/>
+                </a:solidFill>
+              </a:rPr>
+              <a:t> el 7 de noviembre</a:t>
+            </a:r>
             <a:endParaRPr sz="1700" dirty="0">
               <a:solidFill>
                 <a:srgbClr val="1F497D"/>
@@ -34720,7 +34852,42 @@
                   <a:srgbClr val="1F497D"/>
                 </a:solidFill>
               </a:rPr>
-              <a:t>€%$&gt;       2R       P1LK4P31      S4M4R31</a:t>
+              <a:t>€%$&gt;       2R       P1LK4P31      </a:t>
+            </a:r>
+            <a:r>
+              <a:rPr lang="ca" sz="1700" dirty="0" smtClean="0">
+                <a:solidFill>
+                  <a:srgbClr val="1F497D"/>
+                </a:solidFill>
+              </a:rPr>
+              <a:t>S4M4R31</a:t>
+            </a:r>
+          </a:p>
+          <a:p>
+            <a:pPr marL="0" lvl="0" indent="0" algn="just" rtl="0">
+              <a:lnSpc>
+                <a:spcPct val="100000"/>
+              </a:lnSpc>
+              <a:spcBef>
+                <a:spcPts val="800"/>
+              </a:spcBef>
+              <a:spcAft>
+                <a:spcPts val="800"/>
+              </a:spcAft>
+              <a:buClr>
+                <a:schemeClr val="dk1"/>
+              </a:buClr>
+              <a:buSzPts val="800"/>
+              <a:buFont typeface="Arial"/>
+              <a:buNone/>
+            </a:pPr>
+            <a:r>
+              <a:rPr lang="ca" sz="1700" dirty="0" smtClean="0">
+                <a:solidFill>
+                  <a:srgbClr val="1F497D"/>
+                </a:solidFill>
+              </a:rPr>
+              <a:t>1867en varsowia polonia</a:t>
             </a:r>
             <a:endParaRPr sz="1100" dirty="0"/>
           </a:p>
@@ -34843,14 +35010,14 @@
               <a:buNone/>
             </a:pPr>
             <a:r>
-              <a:rPr lang="ca" sz="1700">
+              <a:rPr lang="ca" sz="1700" dirty="0">
                 <a:solidFill>
                   <a:srgbClr val="00B050"/>
                 </a:solidFill>
               </a:rPr>
               <a:t>W1MM2F34                2M          /           Z2     </a:t>
             </a:r>
-            <a:endParaRPr sz="1700">
+            <a:endParaRPr sz="1700" dirty="0">
               <a:solidFill>
                 <a:srgbClr val="00B050"/>
               </a:solidFill>
@@ -34870,14 +35037,30 @@
               <a:buNone/>
             </a:pPr>
             <a:r>
-              <a:rPr lang="ca" sz="1700">
+              <a:rPr lang="es-ES" sz="1700" dirty="0" err="1">
                 <a:solidFill>
                   <a:srgbClr val="00B050"/>
                 </a:solidFill>
               </a:rPr>
-              <a:t>                                       </a:t>
+              <a:t>F</a:t>
             </a:r>
-            <a:endParaRPr sz="1700">
+            <a:r>
+              <a:rPr lang="es-ES" sz="1700" dirty="0" err="1" smtClean="0">
+                <a:solidFill>
+                  <a:srgbClr val="00B050"/>
+                </a:solidFill>
+              </a:rPr>
+              <a:t>allecio</a:t>
+            </a:r>
+            <a:r>
+              <a:rPr lang="es-ES" sz="1700" dirty="0" smtClean="0">
+                <a:solidFill>
+                  <a:srgbClr val="00B050"/>
+                </a:solidFill>
+              </a:rPr>
+              <a:t> en 4 de</a:t>
+            </a:r>
+            <a:endParaRPr sz="1700" dirty="0">
               <a:solidFill>
                 <a:srgbClr val="00B050"/>
               </a:solidFill>
@@ -34896,7 +35079,15 @@
               </a:spcAft>
               <a:buNone/>
             </a:pPr>
-            <a:endParaRPr sz="1700">
+            <a:r>
+              <a:rPr lang="ca" sz="1700" dirty="0">
+                <a:solidFill>
+                  <a:srgbClr val="00B050"/>
+                </a:solidFill>
+              </a:rPr>
+              <a:t>T5M34      2R            S1KKC        QL1RF31                 </a:t>
+            </a:r>
+            <a:endParaRPr sz="1700" dirty="0">
               <a:solidFill>
                 <a:srgbClr val="00B050"/>
               </a:solidFill>
@@ -34916,14 +35107,30 @@
               <a:buNone/>
             </a:pPr>
             <a:r>
-              <a:rPr lang="ca" sz="1700">
+              <a:rPr lang="es-ES" sz="1700" dirty="0" smtClean="0">
                 <a:solidFill>
                   <a:srgbClr val="00B050"/>
                 </a:solidFill>
               </a:rPr>
-              <a:t>T5M34      2R            S1KKC        QL1RF31                 </a:t>
+              <a:t>Julio en </a:t>
             </a:r>
-            <a:endParaRPr sz="1700">
+            <a:r>
+              <a:rPr lang="es-ES" sz="1700" dirty="0" err="1" smtClean="0">
+                <a:solidFill>
+                  <a:srgbClr val="00B050"/>
+                </a:solidFill>
+              </a:rPr>
+              <a:t>passy</a:t>
+            </a:r>
+            <a:r>
+              <a:rPr lang="es-ES" sz="1700" dirty="0" smtClean="0">
+                <a:solidFill>
+                  <a:srgbClr val="00B050"/>
+                </a:solidFill>
+              </a:rPr>
+              <a:t> Francia</a:t>
+            </a:r>
+            <a:endParaRPr sz="1700" dirty="0">
               <a:solidFill>
                 <a:srgbClr val="00B050"/>
               </a:solidFill>
@@ -34942,7 +35149,7 @@
               </a:spcAft>
               <a:buNone/>
             </a:pPr>
-            <a:endParaRPr sz="1700">
+            <a:endParaRPr sz="1700" dirty="0">
               <a:solidFill>
                 <a:srgbClr val="00B050"/>
               </a:solidFill>
@@ -34961,34 +35168,15 @@
               </a:spcAft>
               <a:buNone/>
             </a:pPr>
-            <a:endParaRPr sz="1700">
-              <a:solidFill>
-                <a:srgbClr val="00B050"/>
-              </a:solidFill>
-            </a:endParaRPr>
-          </a:p>
-          <a:p>
-            <a:pPr marL="0" lvl="0" indent="0" algn="l" rtl="0">
-              <a:lnSpc>
-                <a:spcPct val="115000"/>
-              </a:lnSpc>
-              <a:spcBef>
-                <a:spcPts val="800"/>
-              </a:spcBef>
-              <a:spcAft>
-                <a:spcPts val="0"/>
-              </a:spcAft>
-              <a:buNone/>
-            </a:pPr>
             <a:r>
-              <a:rPr lang="ca" sz="1700">
+              <a:rPr lang="ca" sz="1700" dirty="0">
                 <a:solidFill>
                   <a:srgbClr val="00B050"/>
                 </a:solidFill>
               </a:rPr>
               <a:t>2R                 €&lt;¿/</a:t>
             </a:r>
-            <a:endParaRPr sz="1700">
+            <a:endParaRPr sz="1700" dirty="0">
               <a:solidFill>
                 <a:srgbClr val="00B050"/>
               </a:solidFill>
@@ -35007,7 +35195,15 @@
               </a:spcAft>
               <a:buNone/>
             </a:pPr>
-            <a:endParaRPr sz="1700" b="1">
+            <a:r>
+              <a:rPr lang="es-ES" sz="1700" b="1" dirty="0" smtClean="0">
+                <a:solidFill>
+                  <a:schemeClr val="dk1"/>
+                </a:solidFill>
+              </a:rPr>
+              <a:t>En 1934</a:t>
+            </a:r>
+            <a:endParaRPr sz="1700" b="1" dirty="0">
               <a:solidFill>
                 <a:schemeClr val="dk1"/>
               </a:solidFill>
@@ -35373,6 +35569,14 @@
               </a:spcAft>
               <a:buNone/>
             </a:pPr>
+            <a:r>
+              <a:rPr lang="es-ES" sz="1700" dirty="0" smtClean="0">
+                <a:solidFill>
+                  <a:srgbClr val="E36C09"/>
+                </a:solidFill>
+              </a:rPr>
+              <a:t>Fue la primera mujer en</a:t>
+            </a:r>
             <a:endParaRPr sz="1700" dirty="0">
               <a:solidFill>
                 <a:srgbClr val="E36C09"/>
@@ -35438,6 +35642,14 @@
               </a:spcAft>
               <a:buNone/>
             </a:pPr>
+            <a:r>
+              <a:rPr lang="es-ES" sz="1700" dirty="0" smtClean="0">
+                <a:solidFill>
+                  <a:srgbClr val="00B050"/>
+                </a:solidFill>
+              </a:rPr>
+              <a:t>Recibir dos premios nobel</a:t>
+            </a:r>
             <a:endParaRPr sz="1700" dirty="0">
               <a:solidFill>
                 <a:srgbClr val="00B050"/>
@@ -35533,7 +35745,7 @@
         </p:nvSpPr>
         <p:spPr>
           <a:xfrm>
-            <a:off x="894938" y="892369"/>
+            <a:off x="850333" y="966900"/>
             <a:ext cx="7354200" cy="4176600"/>
           </a:xfrm>
           <a:prstGeom prst="rect">
@@ -35562,7 +35774,7 @@
               </a:spcAft>
               <a:buNone/>
             </a:pPr>
-            <a:endParaRPr sz="1700">
+            <a:endParaRPr sz="1700" dirty="0">
               <a:solidFill>
                 <a:srgbClr val="7030A0"/>
               </a:solidFill>
@@ -35582,14 +35794,14 @@
               <a:buNone/>
             </a:pPr>
             <a:r>
-              <a:rPr lang="ca" sz="1700">
+              <a:rPr lang="ca" sz="1700" dirty="0">
                 <a:solidFill>
                   <a:srgbClr val="7030A0"/>
                 </a:solidFill>
               </a:rPr>
               <a:t>Z2KF5GL34         Z4K          2M2Q2RÑ4K  </a:t>
             </a:r>
-            <a:endParaRPr sz="1700">
+            <a:endParaRPr sz="1700" dirty="0">
               <a:solidFill>
                 <a:srgbClr val="7030A0"/>
               </a:solidFill>
@@ -35608,7 +35820,31 @@
               </a:spcAft>
               <a:buNone/>
             </a:pPr>
-            <a:endParaRPr sz="1700">
+            <a:r>
+              <a:rPr lang="es-ES" sz="1700" dirty="0" err="1" smtClean="0">
+                <a:solidFill>
+                  <a:srgbClr val="7030A0"/>
+                </a:solidFill>
+              </a:rPr>
+              <a:t>Descubrio</a:t>
+            </a:r>
+            <a:r>
+              <a:rPr lang="es-ES" sz="1700" dirty="0" smtClean="0">
+                <a:solidFill>
+                  <a:srgbClr val="7030A0"/>
+                </a:solidFill>
+              </a:rPr>
+              <a:t> dos </a:t>
+            </a:r>
+            <a:r>
+              <a:rPr lang="es-ES" sz="1700" dirty="0" err="1" smtClean="0">
+                <a:solidFill>
+                  <a:srgbClr val="7030A0"/>
+                </a:solidFill>
+              </a:rPr>
+              <a:t>elemetos</a:t>
+            </a:r>
+            <a:endParaRPr sz="1700" dirty="0">
               <a:solidFill>
                 <a:srgbClr val="7030A0"/>
               </a:solidFill>
@@ -35627,7 +35863,7 @@
               </a:spcAft>
               <a:buNone/>
             </a:pPr>
-            <a:endParaRPr sz="1700">
+            <a:endParaRPr sz="1700" dirty="0">
               <a:solidFill>
                 <a:srgbClr val="7030A0"/>
               </a:solidFill>
@@ -35647,14 +35883,14 @@
               <a:buNone/>
             </a:pPr>
             <a:r>
-              <a:rPr lang="ca" sz="1700">
+              <a:rPr lang="ca" sz="1700" dirty="0">
                 <a:solidFill>
                   <a:srgbClr val="7030A0"/>
                 </a:solidFill>
               </a:rPr>
               <a:t>J53Q3F4K           2M           L1Z34         W       </a:t>
             </a:r>
-            <a:endParaRPr sz="1700">
+            <a:endParaRPr sz="1700" dirty="0">
               <a:solidFill>
                 <a:srgbClr val="7030A0"/>
               </a:solidFill>
@@ -35673,7 +35909,23 @@
               </a:spcAft>
               <a:buNone/>
             </a:pPr>
-            <a:endParaRPr sz="1700">
+            <a:r>
+              <a:rPr lang="es-ES" sz="1700" dirty="0" err="1" smtClean="0">
+                <a:solidFill>
+                  <a:srgbClr val="7030A0"/>
+                </a:solidFill>
+              </a:rPr>
+              <a:t>Quimicos</a:t>
+            </a:r>
+            <a:r>
+              <a:rPr lang="es-ES" sz="1700" dirty="0" smtClean="0">
+                <a:solidFill>
+                  <a:srgbClr val="7030A0"/>
+                </a:solidFill>
+              </a:rPr>
+              <a:t> el radio</a:t>
+            </a:r>
+            <a:endParaRPr sz="1700" dirty="0">
               <a:solidFill>
                 <a:srgbClr val="7030A0"/>
               </a:solidFill>
@@ -35692,7 +35944,7 @@
               </a:spcAft>
               <a:buNone/>
             </a:pPr>
-            <a:endParaRPr sz="1700">
+            <a:endParaRPr sz="1700" dirty="0">
               <a:solidFill>
                 <a:srgbClr val="7030A0"/>
               </a:solidFill>
@@ -35712,14 +35964,14 @@
               <a:buNone/>
             </a:pPr>
             <a:r>
-              <a:rPr lang="ca" sz="1700">
+              <a:rPr lang="ca" sz="1700" dirty="0">
                 <a:solidFill>
                   <a:srgbClr val="7030A0"/>
                 </a:solidFill>
               </a:rPr>
               <a:t> 2M        S4M4R34</a:t>
             </a:r>
-            <a:endParaRPr sz="1700">
+            <a:endParaRPr sz="1700" dirty="0">
               <a:solidFill>
                 <a:srgbClr val="7030A0"/>
               </a:solidFill>
@@ -35738,7 +35990,15 @@
               </a:spcAft>
               <a:buNone/>
             </a:pPr>
-            <a:endParaRPr sz="1700">
+            <a:r>
+              <a:rPr lang="es-ES" sz="1700" dirty="0" smtClean="0">
+                <a:solidFill>
+                  <a:srgbClr val="E36C09"/>
+                </a:solidFill>
+              </a:rPr>
+              <a:t>El polonio</a:t>
+            </a:r>
+            <a:endParaRPr sz="1700" dirty="0">
               <a:solidFill>
                 <a:srgbClr val="E36C09"/>
               </a:solidFill>
@@ -35866,7 +36126,7 @@
               <a:buNone/>
             </a:pPr>
             <a:r>
-              <a:rPr lang="ca" sz="1800" u="sng">
+              <a:rPr lang="ca" sz="1800" u="sng" dirty="0">
                 <a:solidFill>
                   <a:schemeClr val="hlink"/>
                 </a:solidFill>
@@ -35874,7 +36134,7 @@
               </a:rPr>
               <a:t>DINÀMIKS - SUPER3</a:t>
             </a:r>
-            <a:endParaRPr sz="1800" i="0" u="none" strike="noStrike" cap="none">
+            <a:endParaRPr sz="1800" i="0" u="none" strike="noStrike" cap="none" dirty="0">
               <a:solidFill>
                 <a:srgbClr val="333333"/>
               </a:solidFill>
@@ -36168,20 +36428,122 @@
           </a:bodyPr>
           <a:lstStyle/>
           <a:p>
-            <a:pPr marL="0" lvl="0" indent="0" algn="l" rtl="0">
-              <a:lnSpc>
-                <a:spcPct val="110000"/>
-              </a:lnSpc>
-              <a:spcBef>
-                <a:spcPts val="500"/>
-              </a:spcBef>
-              <a:spcAft>
-                <a:spcPts val="0"/>
-              </a:spcAft>
-              <a:buSzPts val="1400"/>
+            <a:pPr marL="0" lvl="0" indent="0">
               <a:buNone/>
             </a:pPr>
-            <a:endParaRPr/>
+            <a:r>
+              <a:rPr lang="es-ES" dirty="0" smtClean="0"/>
+              <a:t>He </a:t>
+            </a:r>
+            <a:r>
+              <a:rPr lang="es-ES" dirty="0" err="1" smtClean="0"/>
+              <a:t>descobert</a:t>
+            </a:r>
+            <a:r>
+              <a:rPr lang="es-ES" dirty="0" smtClean="0"/>
+              <a:t> </a:t>
+            </a:r>
+            <a:r>
+              <a:rPr lang="es-ES" dirty="0" err="1" smtClean="0"/>
+              <a:t>els</a:t>
+            </a:r>
+            <a:r>
+              <a:rPr lang="es-ES" dirty="0" smtClean="0"/>
+              <a:t> </a:t>
+            </a:r>
+            <a:r>
+              <a:rPr lang="es-ES" dirty="0" err="1" smtClean="0"/>
+              <a:t>batecs</a:t>
+            </a:r>
+            <a:r>
+              <a:rPr lang="es-ES" dirty="0" smtClean="0"/>
+              <a:t> del </a:t>
+            </a:r>
+            <a:r>
+              <a:rPr lang="es-ES" dirty="0" err="1" smtClean="0"/>
+              <a:t>meu</a:t>
+            </a:r>
+            <a:r>
+              <a:rPr lang="es-ES" dirty="0" smtClean="0"/>
+              <a:t> </a:t>
+            </a:r>
+            <a:r>
+              <a:rPr lang="es-ES" dirty="0" err="1" smtClean="0"/>
+              <a:t>cor</a:t>
+            </a:r>
+            <a:r>
+              <a:rPr lang="es-ES"/>
+              <a:t> </a:t>
+            </a:r>
+            <a:r>
+              <a:rPr lang="es-ES" smtClean="0"/>
+              <a:t>meu</a:t>
+            </a:r>
+            <a:r>
+              <a:rPr lang="es-ES" dirty="0" smtClean="0"/>
+              <a:t> </a:t>
+            </a:r>
+            <a:r>
+              <a:rPr lang="es-ES" dirty="0" err="1" smtClean="0"/>
+              <a:t>puls</a:t>
+            </a:r>
+            <a:r>
+              <a:rPr lang="es-ES" dirty="0" smtClean="0"/>
+              <a:t> Hi mue </a:t>
+            </a:r>
+            <a:r>
+              <a:rPr lang="es-ES" dirty="0" err="1" smtClean="0"/>
+              <a:t>pasat</a:t>
+            </a:r>
+            <a:r>
+              <a:rPr lang="es-ES" dirty="0" smtClean="0"/>
+              <a:t> </a:t>
+            </a:r>
+            <a:r>
+              <a:rPr lang="es-ES" dirty="0" err="1" smtClean="0"/>
+              <a:t>molt</a:t>
+            </a:r>
+            <a:r>
+              <a:rPr lang="es-ES" dirty="0" smtClean="0"/>
+              <a:t> be </a:t>
+            </a:r>
+            <a:r>
+              <a:rPr lang="es-ES" dirty="0" err="1" smtClean="0"/>
+              <a:t>fent</a:t>
+            </a:r>
+            <a:r>
+              <a:rPr lang="es-ES" dirty="0" smtClean="0"/>
+              <a:t> </a:t>
+            </a:r>
+            <a:r>
+              <a:rPr lang="es-ES" dirty="0" err="1" smtClean="0"/>
+              <a:t>els</a:t>
+            </a:r>
+            <a:r>
+              <a:rPr lang="es-ES" dirty="0" smtClean="0"/>
+              <a:t> </a:t>
+            </a:r>
+            <a:r>
+              <a:rPr lang="es-ES" dirty="0" err="1" smtClean="0"/>
+              <a:t>experiments</a:t>
+            </a:r>
+            <a:r>
+              <a:rPr lang="es-ES" dirty="0" smtClean="0"/>
+              <a:t> i descifra el </a:t>
+            </a:r>
+            <a:r>
+              <a:rPr lang="es-ES" dirty="0" err="1" smtClean="0"/>
+              <a:t>codig</a:t>
+            </a:r>
+            <a:r>
+              <a:rPr lang="es-ES" dirty="0" smtClean="0"/>
+              <a:t> de </a:t>
+            </a:r>
+            <a:r>
+              <a:rPr lang="es-ES" dirty="0" err="1" smtClean="0"/>
+              <a:t>castella</a:t>
+            </a:r>
+            <a:endParaRPr dirty="0"/>
           </a:p>
         </p:txBody>
       </p:sp>
@@ -36576,12 +36938,48 @@
                 <a:tableStyleId>{D94344F0-E04B-428B-812D-A07FE061A566}</a:tableStyleId>
               </a:tblPr>
               <a:tblGrid>
-                <a:gridCol w="1272300"/>
-                <a:gridCol w="1272300"/>
-                <a:gridCol w="1272300"/>
-                <a:gridCol w="1272300"/>
-                <a:gridCol w="1272300"/>
-                <a:gridCol w="1272300"/>
+                <a:gridCol w="1272300">
+                  <a:extLst>
+                    <a:ext uri="{9D8B030D-6E8A-4147-A177-3AD203B41FA5}">
+                      <a16:colId xmlns:a16="http://schemas.microsoft.com/office/drawing/2014/main" xmlns="" val="20000"/>
+                    </a:ext>
+                  </a:extLst>
+                </a:gridCol>
+                <a:gridCol w="1272300">
+                  <a:extLst>
+                    <a:ext uri="{9D8B030D-6E8A-4147-A177-3AD203B41FA5}">
+                      <a16:colId xmlns:a16="http://schemas.microsoft.com/office/drawing/2014/main" xmlns="" val="20001"/>
+                    </a:ext>
+                  </a:extLst>
+                </a:gridCol>
+                <a:gridCol w="1272300">
+                  <a:extLst>
+                    <a:ext uri="{9D8B030D-6E8A-4147-A177-3AD203B41FA5}">
+                      <a16:colId xmlns:a16="http://schemas.microsoft.com/office/drawing/2014/main" xmlns="" val="20002"/>
+                    </a:ext>
+                  </a:extLst>
+                </a:gridCol>
+                <a:gridCol w="1272300">
+                  <a:extLst>
+                    <a:ext uri="{9D8B030D-6E8A-4147-A177-3AD203B41FA5}">
+                      <a16:colId xmlns:a16="http://schemas.microsoft.com/office/drawing/2014/main" xmlns="" val="20003"/>
+                    </a:ext>
+                  </a:extLst>
+                </a:gridCol>
+                <a:gridCol w="1272300">
+                  <a:extLst>
+                    <a:ext uri="{9D8B030D-6E8A-4147-A177-3AD203B41FA5}">
+                      <a16:colId xmlns:a16="http://schemas.microsoft.com/office/drawing/2014/main" xmlns="" val="20004"/>
+                    </a:ext>
+                  </a:extLst>
+                </a:gridCol>
+                <a:gridCol w="1272300">
+                  <a:extLst>
+                    <a:ext uri="{9D8B030D-6E8A-4147-A177-3AD203B41FA5}">
+                      <a16:colId xmlns:a16="http://schemas.microsoft.com/office/drawing/2014/main" xmlns="" val="20005"/>
+                    </a:ext>
+                  </a:extLst>
+                </a:gridCol>
               </a:tblGrid>
               <a:tr h="534450">
                 <a:tc>
@@ -36738,6 +37136,11 @@
                     </a:solidFill>
                   </a:tcPr>
                 </a:tc>
+                <a:extLst>
+                  <a:ext uri="{0D108BD9-81ED-4DB2-BD59-A6C34878D82A}">
+                    <a16:rowId xmlns:a16="http://schemas.microsoft.com/office/drawing/2014/main" xmlns="" val="10000"/>
+                  </a:ext>
+                </a:extLst>
               </a:tr>
               <a:tr h="801475">
                 <a:tc>
@@ -36900,6 +37303,11 @@
                   </a:txBody>
                   <a:tcPr marL="68575" marR="68575" marT="68575" marB="68575"/>
                 </a:tc>
+                <a:extLst>
+                  <a:ext uri="{0D108BD9-81ED-4DB2-BD59-A6C34878D82A}">
+                    <a16:rowId xmlns:a16="http://schemas.microsoft.com/office/drawing/2014/main" xmlns="" val="10001"/>
+                  </a:ext>
+                </a:extLst>
               </a:tr>
               <a:tr h="801475">
                 <a:tc>
@@ -37056,6 +37464,11 @@
                   </a:txBody>
                   <a:tcPr marL="68575" marR="68575" marT="68575" marB="68575"/>
                 </a:tc>
+                <a:extLst>
+                  <a:ext uri="{0D108BD9-81ED-4DB2-BD59-A6C34878D82A}">
+                    <a16:rowId xmlns:a16="http://schemas.microsoft.com/office/drawing/2014/main" xmlns="" val="10002"/>
+                  </a:ext>
+                </a:extLst>
               </a:tr>
               <a:tr h="801475">
                 <a:tc>
@@ -37212,6 +37625,11 @@
                   </a:txBody>
                   <a:tcPr marL="68575" marR="68575" marT="68575" marB="68575"/>
                 </a:tc>
+                <a:extLst>
+                  <a:ext uri="{0D108BD9-81ED-4DB2-BD59-A6C34878D82A}">
+                    <a16:rowId xmlns:a16="http://schemas.microsoft.com/office/drawing/2014/main" xmlns="" val="10003"/>
+                  </a:ext>
+                </a:extLst>
               </a:tr>
             </a:tbl>
           </a:graphicData>
@@ -37266,12 +37684,48 @@
                 <a:tableStyleId>{D94344F0-E04B-428B-812D-A07FE061A566}</a:tableStyleId>
               </a:tblPr>
               <a:tblGrid>
-                <a:gridCol w="1272300"/>
-                <a:gridCol w="1272300"/>
-                <a:gridCol w="1272300"/>
-                <a:gridCol w="1272300"/>
-                <a:gridCol w="1272300"/>
-                <a:gridCol w="1272300"/>
+                <a:gridCol w="1272300">
+                  <a:extLst>
+                    <a:ext uri="{9D8B030D-6E8A-4147-A177-3AD203B41FA5}">
+                      <a16:colId xmlns:a16="http://schemas.microsoft.com/office/drawing/2014/main" xmlns="" val="20000"/>
+                    </a:ext>
+                  </a:extLst>
+                </a:gridCol>
+                <a:gridCol w="1272300">
+                  <a:extLst>
+                    <a:ext uri="{9D8B030D-6E8A-4147-A177-3AD203B41FA5}">
+                      <a16:colId xmlns:a16="http://schemas.microsoft.com/office/drawing/2014/main" xmlns="" val="20001"/>
+                    </a:ext>
+                  </a:extLst>
+                </a:gridCol>
+                <a:gridCol w="1272300">
+                  <a:extLst>
+                    <a:ext uri="{9D8B030D-6E8A-4147-A177-3AD203B41FA5}">
+                      <a16:colId xmlns:a16="http://schemas.microsoft.com/office/drawing/2014/main" xmlns="" val="20002"/>
+                    </a:ext>
+                  </a:extLst>
+                </a:gridCol>
+                <a:gridCol w="1272300">
+                  <a:extLst>
+                    <a:ext uri="{9D8B030D-6E8A-4147-A177-3AD203B41FA5}">
+                      <a16:colId xmlns:a16="http://schemas.microsoft.com/office/drawing/2014/main" xmlns="" val="20003"/>
+                    </a:ext>
+                  </a:extLst>
+                </a:gridCol>
+                <a:gridCol w="1272300">
+                  <a:extLst>
+                    <a:ext uri="{9D8B030D-6E8A-4147-A177-3AD203B41FA5}">
+                      <a16:colId xmlns:a16="http://schemas.microsoft.com/office/drawing/2014/main" xmlns="" val="20004"/>
+                    </a:ext>
+                  </a:extLst>
+                </a:gridCol>
+                <a:gridCol w="1272300">
+                  <a:extLst>
+                    <a:ext uri="{9D8B030D-6E8A-4147-A177-3AD203B41FA5}">
+                      <a16:colId xmlns:a16="http://schemas.microsoft.com/office/drawing/2014/main" xmlns="" val="20005"/>
+                    </a:ext>
+                  </a:extLst>
+                </a:gridCol>
               </a:tblGrid>
               <a:tr h="534450">
                 <a:tc>
@@ -37428,6 +37882,11 @@
                     </a:solidFill>
                   </a:tcPr>
                 </a:tc>
+                <a:extLst>
+                  <a:ext uri="{0D108BD9-81ED-4DB2-BD59-A6C34878D82A}">
+                    <a16:rowId xmlns:a16="http://schemas.microsoft.com/office/drawing/2014/main" xmlns="" val="10000"/>
+                  </a:ext>
+                </a:extLst>
               </a:tr>
               <a:tr h="801475">
                 <a:tc>
@@ -37568,6 +38027,11 @@
                   </a:txBody>
                   <a:tcPr marL="68575" marR="68575" marT="68575" marB="68575"/>
                 </a:tc>
+                <a:extLst>
+                  <a:ext uri="{0D108BD9-81ED-4DB2-BD59-A6C34878D82A}">
+                    <a16:rowId xmlns:a16="http://schemas.microsoft.com/office/drawing/2014/main" xmlns="" val="10001"/>
+                  </a:ext>
+                </a:extLst>
               </a:tr>
               <a:tr h="801475">
                 <a:tc>
@@ -37710,6 +38174,11 @@
                   </a:txBody>
                   <a:tcPr marL="68575" marR="68575" marT="68575" marB="68575"/>
                 </a:tc>
+                <a:extLst>
+                  <a:ext uri="{0D108BD9-81ED-4DB2-BD59-A6C34878D82A}">
+                    <a16:rowId xmlns:a16="http://schemas.microsoft.com/office/drawing/2014/main" xmlns="" val="10002"/>
+                  </a:ext>
+                </a:extLst>
               </a:tr>
               <a:tr h="801475">
                 <a:tc>
@@ -37850,6 +38319,11 @@
                   </a:txBody>
                   <a:tcPr marL="68575" marR="68575" marT="68575" marB="68575"/>
                 </a:tc>
+                <a:extLst>
+                  <a:ext uri="{0D108BD9-81ED-4DB2-BD59-A6C34878D82A}">
+                    <a16:rowId xmlns:a16="http://schemas.microsoft.com/office/drawing/2014/main" xmlns="" val="10003"/>
+                  </a:ext>
+                </a:extLst>
               </a:tr>
               <a:tr h="801475">
                 <a:tc>
@@ -37990,6 +38464,11 @@
                   </a:txBody>
                   <a:tcPr marL="68575" marR="68575" marT="68575" marB="68575"/>
                 </a:tc>
+                <a:extLst>
+                  <a:ext uri="{0D108BD9-81ED-4DB2-BD59-A6C34878D82A}">
+                    <a16:rowId xmlns:a16="http://schemas.microsoft.com/office/drawing/2014/main" xmlns="" val="10004"/>
+                  </a:ext>
+                </a:extLst>
               </a:tr>
               <a:tr h="801475">
                 <a:tc>
@@ -38130,6 +38609,11 @@
                   </a:txBody>
                   <a:tcPr marL="68575" marR="68575" marT="68575" marB="68575"/>
                 </a:tc>
+                <a:extLst>
+                  <a:ext uri="{0D108BD9-81ED-4DB2-BD59-A6C34878D82A}">
+                    <a16:rowId xmlns:a16="http://schemas.microsoft.com/office/drawing/2014/main" xmlns="" val="10005"/>
+                  </a:ext>
+                </a:extLst>
               </a:tr>
             </a:tbl>
           </a:graphicData>
